--- a/Assets/assets/pptx/game-set.pptx
+++ b/Assets/assets/pptx/game-set.pptx
@@ -10,6 +10,8 @@
     <p:sldId id="260" r:id="rId4"/>
     <p:sldId id="259" r:id="rId5"/>
     <p:sldId id="258" r:id="rId6"/>
+    <p:sldId id="261" r:id="rId7"/>
+    <p:sldId id="262" r:id="rId8"/>
   </p:sldIdLst>
   <p:sldSz cx="12192000" cy="6858000"/>
   <p:notesSz cx="6858000" cy="9144000"/>
@@ -4756,6 +4758,270 @@
           </p:txBody>
         </p:sp>
       </p:grpSp>
+      <p:sp>
+        <p:nvSpPr>
+          <p:cNvPr id="2" name="TextBox 1">
+            <a:extLst>
+              <a:ext uri="{FF2B5EF4-FFF2-40B4-BE49-F238E27FC236}">
+                <a16:creationId xmlns:a16="http://schemas.microsoft.com/office/drawing/2014/main" id="{6952C122-1DD3-461D-9005-4F82AD92FDEB}"/>
+              </a:ext>
+            </a:extLst>
+          </p:cNvPr>
+          <p:cNvSpPr txBox="1"/>
+          <p:nvPr/>
+        </p:nvSpPr>
+        <p:spPr>
+          <a:xfrm>
+            <a:off x="0" y="7185"/>
+            <a:ext cx="546847" cy="369332"/>
+          </a:xfrm>
+          <a:prstGeom prst="rect">
+            <a:avLst/>
+          </a:prstGeom>
+          <a:noFill/>
+          <a:ln w="57150">
+            <a:solidFill>
+              <a:schemeClr val="accent1"/>
+            </a:solidFill>
+          </a:ln>
+        </p:spPr>
+        <p:txBody>
+          <a:bodyPr wrap="square" rtlCol="0">
+            <a:spAutoFit/>
+          </a:bodyPr>
+          <a:lstStyle/>
+          <a:p>
+            <a:pPr algn="ctr"/>
+            <a:r>
+              <a:rPr lang="en-US" altLang="ko-KR" dirty="0"/>
+              <a:t>0</a:t>
+            </a:r>
+            <a:endParaRPr lang="ko-KR" altLang="en-US" dirty="0"/>
+          </a:p>
+        </p:txBody>
+      </p:sp>
+      <p:sp>
+        <p:nvSpPr>
+          <p:cNvPr id="41" name="TextBox 40">
+            <a:extLst>
+              <a:ext uri="{FF2B5EF4-FFF2-40B4-BE49-F238E27FC236}">
+                <a16:creationId xmlns:a16="http://schemas.microsoft.com/office/drawing/2014/main" id="{A4D3933B-36A4-4E9E-8F14-E8C08E9E4D14}"/>
+              </a:ext>
+            </a:extLst>
+          </p:cNvPr>
+          <p:cNvSpPr txBox="1"/>
+          <p:nvPr/>
+        </p:nvSpPr>
+        <p:spPr>
+          <a:xfrm>
+            <a:off x="1376082" y="7185"/>
+            <a:ext cx="546847" cy="369332"/>
+          </a:xfrm>
+          <a:prstGeom prst="rect">
+            <a:avLst/>
+          </a:prstGeom>
+          <a:noFill/>
+        </p:spPr>
+        <p:txBody>
+          <a:bodyPr wrap="square" rtlCol="0">
+            <a:spAutoFit/>
+          </a:bodyPr>
+          <a:lstStyle/>
+          <a:p>
+            <a:pPr algn="ctr"/>
+            <a:r>
+              <a:rPr lang="en-US" altLang="ko-KR" dirty="0"/>
+              <a:t>0</a:t>
+            </a:r>
+            <a:endParaRPr lang="ko-KR" altLang="en-US" dirty="0"/>
+          </a:p>
+        </p:txBody>
+      </p:sp>
+      <p:sp>
+        <p:nvSpPr>
+          <p:cNvPr id="42" name="TextBox 41">
+            <a:extLst>
+              <a:ext uri="{FF2B5EF4-FFF2-40B4-BE49-F238E27FC236}">
+                <a16:creationId xmlns:a16="http://schemas.microsoft.com/office/drawing/2014/main" id="{0D85E652-9AB1-4C3D-938D-E01D2C811DA8}"/>
+              </a:ext>
+            </a:extLst>
+          </p:cNvPr>
+          <p:cNvSpPr txBox="1"/>
+          <p:nvPr/>
+        </p:nvSpPr>
+        <p:spPr>
+          <a:xfrm>
+            <a:off x="3975847" y="7185"/>
+            <a:ext cx="546847" cy="369332"/>
+          </a:xfrm>
+          <a:prstGeom prst="rect">
+            <a:avLst/>
+          </a:prstGeom>
+          <a:noFill/>
+        </p:spPr>
+        <p:txBody>
+          <a:bodyPr wrap="square" rtlCol="0">
+            <a:spAutoFit/>
+          </a:bodyPr>
+          <a:lstStyle/>
+          <a:p>
+            <a:pPr algn="ctr"/>
+            <a:r>
+              <a:rPr lang="en-US" altLang="ko-KR" dirty="0"/>
+              <a:t>1</a:t>
+            </a:r>
+            <a:endParaRPr lang="ko-KR" altLang="en-US" dirty="0"/>
+          </a:p>
+        </p:txBody>
+      </p:sp>
+      <p:sp>
+        <p:nvSpPr>
+          <p:cNvPr id="43" name="TextBox 42">
+            <a:extLst>
+              <a:ext uri="{FF2B5EF4-FFF2-40B4-BE49-F238E27FC236}">
+                <a16:creationId xmlns:a16="http://schemas.microsoft.com/office/drawing/2014/main" id="{5B1C4633-DC10-4231-B02C-49EA6F60F804}"/>
+              </a:ext>
+            </a:extLst>
+          </p:cNvPr>
+          <p:cNvSpPr txBox="1"/>
+          <p:nvPr/>
+        </p:nvSpPr>
+        <p:spPr>
+          <a:xfrm>
+            <a:off x="6575612" y="7185"/>
+            <a:ext cx="546847" cy="369332"/>
+          </a:xfrm>
+          <a:prstGeom prst="rect">
+            <a:avLst/>
+          </a:prstGeom>
+          <a:noFill/>
+        </p:spPr>
+        <p:txBody>
+          <a:bodyPr wrap="square" rtlCol="0">
+            <a:spAutoFit/>
+          </a:bodyPr>
+          <a:lstStyle/>
+          <a:p>
+            <a:pPr algn="ctr"/>
+            <a:r>
+              <a:rPr lang="en-US" altLang="ko-KR" dirty="0"/>
+              <a:t>2</a:t>
+            </a:r>
+            <a:endParaRPr lang="ko-KR" altLang="en-US" dirty="0"/>
+          </a:p>
+        </p:txBody>
+      </p:sp>
+      <p:sp>
+        <p:nvSpPr>
+          <p:cNvPr id="44" name="TextBox 43">
+            <a:extLst>
+              <a:ext uri="{FF2B5EF4-FFF2-40B4-BE49-F238E27FC236}">
+                <a16:creationId xmlns:a16="http://schemas.microsoft.com/office/drawing/2014/main" id="{561C3182-0787-4F5A-9145-140FD7B69873}"/>
+              </a:ext>
+            </a:extLst>
+          </p:cNvPr>
+          <p:cNvSpPr txBox="1"/>
+          <p:nvPr/>
+        </p:nvSpPr>
+        <p:spPr>
+          <a:xfrm>
+            <a:off x="0" y="810416"/>
+            <a:ext cx="546847" cy="369332"/>
+          </a:xfrm>
+          <a:prstGeom prst="rect">
+            <a:avLst/>
+          </a:prstGeom>
+          <a:noFill/>
+        </p:spPr>
+        <p:txBody>
+          <a:bodyPr wrap="square" rtlCol="0">
+            <a:spAutoFit/>
+          </a:bodyPr>
+          <a:lstStyle/>
+          <a:p>
+            <a:pPr algn="ctr"/>
+            <a:r>
+              <a:rPr lang="en-US" altLang="ko-KR" dirty="0"/>
+              <a:t>0</a:t>
+            </a:r>
+            <a:endParaRPr lang="ko-KR" altLang="en-US" dirty="0"/>
+          </a:p>
+        </p:txBody>
+      </p:sp>
+      <p:sp>
+        <p:nvSpPr>
+          <p:cNvPr id="45" name="TextBox 44">
+            <a:extLst>
+              <a:ext uri="{FF2B5EF4-FFF2-40B4-BE49-F238E27FC236}">
+                <a16:creationId xmlns:a16="http://schemas.microsoft.com/office/drawing/2014/main" id="{3F448265-26A5-4FEB-9542-A284794CD9A3}"/>
+              </a:ext>
+            </a:extLst>
+          </p:cNvPr>
+          <p:cNvSpPr txBox="1"/>
+          <p:nvPr/>
+        </p:nvSpPr>
+        <p:spPr>
+          <a:xfrm>
+            <a:off x="0" y="2800581"/>
+            <a:ext cx="546847" cy="369332"/>
+          </a:xfrm>
+          <a:prstGeom prst="rect">
+            <a:avLst/>
+          </a:prstGeom>
+          <a:noFill/>
+        </p:spPr>
+        <p:txBody>
+          <a:bodyPr wrap="square" rtlCol="0">
+            <a:spAutoFit/>
+          </a:bodyPr>
+          <a:lstStyle/>
+          <a:p>
+            <a:pPr algn="ctr"/>
+            <a:r>
+              <a:rPr lang="en-US" altLang="ko-KR" dirty="0"/>
+              <a:t>1</a:t>
+            </a:r>
+            <a:endParaRPr lang="ko-KR" altLang="en-US" dirty="0"/>
+          </a:p>
+        </p:txBody>
+      </p:sp>
+      <p:sp>
+        <p:nvSpPr>
+          <p:cNvPr id="46" name="TextBox 45">
+            <a:extLst>
+              <a:ext uri="{FF2B5EF4-FFF2-40B4-BE49-F238E27FC236}">
+                <a16:creationId xmlns:a16="http://schemas.microsoft.com/office/drawing/2014/main" id="{F414046A-4E93-47E2-93B5-2C85D0A80313}"/>
+              </a:ext>
+            </a:extLst>
+          </p:cNvPr>
+          <p:cNvSpPr txBox="1"/>
+          <p:nvPr/>
+        </p:nvSpPr>
+        <p:spPr>
+          <a:xfrm>
+            <a:off x="0" y="4790746"/>
+            <a:ext cx="546847" cy="369332"/>
+          </a:xfrm>
+          <a:prstGeom prst="rect">
+            <a:avLst/>
+          </a:prstGeom>
+          <a:noFill/>
+        </p:spPr>
+        <p:txBody>
+          <a:bodyPr wrap="square" rtlCol="0">
+            <a:spAutoFit/>
+          </a:bodyPr>
+          <a:lstStyle/>
+          <a:p>
+            <a:pPr algn="ctr"/>
+            <a:r>
+              <a:rPr lang="en-US" altLang="ko-KR" dirty="0"/>
+              <a:t>2</a:t>
+            </a:r>
+            <a:endParaRPr lang="ko-KR" altLang="en-US" dirty="0"/>
+          </a:p>
+        </p:txBody>
+      </p:sp>
     </p:spTree>
     <p:extLst>
       <p:ext uri="{BB962C8B-B14F-4D97-AF65-F5344CB8AC3E}">
@@ -5992,6 +6258,270 @@
           </p:txBody>
         </p:sp>
       </p:grpSp>
+      <p:sp>
+        <p:nvSpPr>
+          <p:cNvPr id="42" name="TextBox 41">
+            <a:extLst>
+              <a:ext uri="{FF2B5EF4-FFF2-40B4-BE49-F238E27FC236}">
+                <a16:creationId xmlns:a16="http://schemas.microsoft.com/office/drawing/2014/main" id="{39F085CC-2648-4661-8563-10B02822F4D2}"/>
+              </a:ext>
+            </a:extLst>
+          </p:cNvPr>
+          <p:cNvSpPr txBox="1"/>
+          <p:nvPr/>
+        </p:nvSpPr>
+        <p:spPr>
+          <a:xfrm>
+            <a:off x="1376082" y="7185"/>
+            <a:ext cx="546847" cy="369332"/>
+          </a:xfrm>
+          <a:prstGeom prst="rect">
+            <a:avLst/>
+          </a:prstGeom>
+          <a:noFill/>
+        </p:spPr>
+        <p:txBody>
+          <a:bodyPr wrap="square" rtlCol="0">
+            <a:spAutoFit/>
+          </a:bodyPr>
+          <a:lstStyle/>
+          <a:p>
+            <a:pPr algn="ctr"/>
+            <a:r>
+              <a:rPr lang="en-US" altLang="ko-KR" dirty="0"/>
+              <a:t>0</a:t>
+            </a:r>
+            <a:endParaRPr lang="ko-KR" altLang="en-US" dirty="0"/>
+          </a:p>
+        </p:txBody>
+      </p:sp>
+      <p:sp>
+        <p:nvSpPr>
+          <p:cNvPr id="43" name="TextBox 42">
+            <a:extLst>
+              <a:ext uri="{FF2B5EF4-FFF2-40B4-BE49-F238E27FC236}">
+                <a16:creationId xmlns:a16="http://schemas.microsoft.com/office/drawing/2014/main" id="{E47D22E1-9302-4D4B-95CA-94F4EE983966}"/>
+              </a:ext>
+            </a:extLst>
+          </p:cNvPr>
+          <p:cNvSpPr txBox="1"/>
+          <p:nvPr/>
+        </p:nvSpPr>
+        <p:spPr>
+          <a:xfrm>
+            <a:off x="3975847" y="7185"/>
+            <a:ext cx="546847" cy="369332"/>
+          </a:xfrm>
+          <a:prstGeom prst="rect">
+            <a:avLst/>
+          </a:prstGeom>
+          <a:noFill/>
+        </p:spPr>
+        <p:txBody>
+          <a:bodyPr wrap="square" rtlCol="0">
+            <a:spAutoFit/>
+          </a:bodyPr>
+          <a:lstStyle/>
+          <a:p>
+            <a:pPr algn="ctr"/>
+            <a:r>
+              <a:rPr lang="en-US" altLang="ko-KR" dirty="0"/>
+              <a:t>1</a:t>
+            </a:r>
+            <a:endParaRPr lang="ko-KR" altLang="en-US" dirty="0"/>
+          </a:p>
+        </p:txBody>
+      </p:sp>
+      <p:sp>
+        <p:nvSpPr>
+          <p:cNvPr id="44" name="TextBox 43">
+            <a:extLst>
+              <a:ext uri="{FF2B5EF4-FFF2-40B4-BE49-F238E27FC236}">
+                <a16:creationId xmlns:a16="http://schemas.microsoft.com/office/drawing/2014/main" id="{660D88E0-9A99-4050-ACB3-3ABD7BF81137}"/>
+              </a:ext>
+            </a:extLst>
+          </p:cNvPr>
+          <p:cNvSpPr txBox="1"/>
+          <p:nvPr/>
+        </p:nvSpPr>
+        <p:spPr>
+          <a:xfrm>
+            <a:off x="6575612" y="7185"/>
+            <a:ext cx="546847" cy="369332"/>
+          </a:xfrm>
+          <a:prstGeom prst="rect">
+            <a:avLst/>
+          </a:prstGeom>
+          <a:noFill/>
+        </p:spPr>
+        <p:txBody>
+          <a:bodyPr wrap="square" rtlCol="0">
+            <a:spAutoFit/>
+          </a:bodyPr>
+          <a:lstStyle/>
+          <a:p>
+            <a:pPr algn="ctr"/>
+            <a:r>
+              <a:rPr lang="en-US" altLang="ko-KR" dirty="0"/>
+              <a:t>2</a:t>
+            </a:r>
+            <a:endParaRPr lang="ko-KR" altLang="en-US" dirty="0"/>
+          </a:p>
+        </p:txBody>
+      </p:sp>
+      <p:sp>
+        <p:nvSpPr>
+          <p:cNvPr id="45" name="TextBox 44">
+            <a:extLst>
+              <a:ext uri="{FF2B5EF4-FFF2-40B4-BE49-F238E27FC236}">
+                <a16:creationId xmlns:a16="http://schemas.microsoft.com/office/drawing/2014/main" id="{3B69089F-EC3A-4641-A345-B4985352EE90}"/>
+              </a:ext>
+            </a:extLst>
+          </p:cNvPr>
+          <p:cNvSpPr txBox="1"/>
+          <p:nvPr/>
+        </p:nvSpPr>
+        <p:spPr>
+          <a:xfrm>
+            <a:off x="0" y="810416"/>
+            <a:ext cx="546847" cy="369332"/>
+          </a:xfrm>
+          <a:prstGeom prst="rect">
+            <a:avLst/>
+          </a:prstGeom>
+          <a:noFill/>
+        </p:spPr>
+        <p:txBody>
+          <a:bodyPr wrap="square" rtlCol="0">
+            <a:spAutoFit/>
+          </a:bodyPr>
+          <a:lstStyle/>
+          <a:p>
+            <a:pPr algn="ctr"/>
+            <a:r>
+              <a:rPr lang="en-US" altLang="ko-KR" dirty="0"/>
+              <a:t>0</a:t>
+            </a:r>
+            <a:endParaRPr lang="ko-KR" altLang="en-US" dirty="0"/>
+          </a:p>
+        </p:txBody>
+      </p:sp>
+      <p:sp>
+        <p:nvSpPr>
+          <p:cNvPr id="46" name="TextBox 45">
+            <a:extLst>
+              <a:ext uri="{FF2B5EF4-FFF2-40B4-BE49-F238E27FC236}">
+                <a16:creationId xmlns:a16="http://schemas.microsoft.com/office/drawing/2014/main" id="{3DF169B2-4C03-4A00-8073-62C1FA418AE9}"/>
+              </a:ext>
+            </a:extLst>
+          </p:cNvPr>
+          <p:cNvSpPr txBox="1"/>
+          <p:nvPr/>
+        </p:nvSpPr>
+        <p:spPr>
+          <a:xfrm>
+            <a:off x="0" y="2800581"/>
+            <a:ext cx="546847" cy="369332"/>
+          </a:xfrm>
+          <a:prstGeom prst="rect">
+            <a:avLst/>
+          </a:prstGeom>
+          <a:noFill/>
+        </p:spPr>
+        <p:txBody>
+          <a:bodyPr wrap="square" rtlCol="0">
+            <a:spAutoFit/>
+          </a:bodyPr>
+          <a:lstStyle/>
+          <a:p>
+            <a:pPr algn="ctr"/>
+            <a:r>
+              <a:rPr lang="en-US" altLang="ko-KR" dirty="0"/>
+              <a:t>1</a:t>
+            </a:r>
+            <a:endParaRPr lang="ko-KR" altLang="en-US" dirty="0"/>
+          </a:p>
+        </p:txBody>
+      </p:sp>
+      <p:sp>
+        <p:nvSpPr>
+          <p:cNvPr id="47" name="TextBox 46">
+            <a:extLst>
+              <a:ext uri="{FF2B5EF4-FFF2-40B4-BE49-F238E27FC236}">
+                <a16:creationId xmlns:a16="http://schemas.microsoft.com/office/drawing/2014/main" id="{5FA103D5-A5EC-4ECD-97BE-C26A98043AF4}"/>
+              </a:ext>
+            </a:extLst>
+          </p:cNvPr>
+          <p:cNvSpPr txBox="1"/>
+          <p:nvPr/>
+        </p:nvSpPr>
+        <p:spPr>
+          <a:xfrm>
+            <a:off x="0" y="4790746"/>
+            <a:ext cx="546847" cy="369332"/>
+          </a:xfrm>
+          <a:prstGeom prst="rect">
+            <a:avLst/>
+          </a:prstGeom>
+          <a:noFill/>
+        </p:spPr>
+        <p:txBody>
+          <a:bodyPr wrap="square" rtlCol="0">
+            <a:spAutoFit/>
+          </a:bodyPr>
+          <a:lstStyle/>
+          <a:p>
+            <a:pPr algn="ctr"/>
+            <a:r>
+              <a:rPr lang="en-US" altLang="ko-KR" dirty="0"/>
+              <a:t>2</a:t>
+            </a:r>
+            <a:endParaRPr lang="ko-KR" altLang="en-US" dirty="0"/>
+          </a:p>
+        </p:txBody>
+      </p:sp>
+      <p:sp>
+        <p:nvSpPr>
+          <p:cNvPr id="48" name="TextBox 47">
+            <a:extLst>
+              <a:ext uri="{FF2B5EF4-FFF2-40B4-BE49-F238E27FC236}">
+                <a16:creationId xmlns:a16="http://schemas.microsoft.com/office/drawing/2014/main" id="{95C93829-FDAC-4A9A-8EC7-24900923CD23}"/>
+              </a:ext>
+            </a:extLst>
+          </p:cNvPr>
+          <p:cNvSpPr txBox="1"/>
+          <p:nvPr/>
+        </p:nvSpPr>
+        <p:spPr>
+          <a:xfrm>
+            <a:off x="0" y="7185"/>
+            <a:ext cx="546847" cy="369332"/>
+          </a:xfrm>
+          <a:prstGeom prst="rect">
+            <a:avLst/>
+          </a:prstGeom>
+          <a:noFill/>
+          <a:ln w="57150">
+            <a:solidFill>
+              <a:schemeClr val="accent1"/>
+            </a:solidFill>
+          </a:ln>
+        </p:spPr>
+        <p:txBody>
+          <a:bodyPr wrap="square" rtlCol="0">
+            <a:spAutoFit/>
+          </a:bodyPr>
+          <a:lstStyle/>
+          <a:p>
+            <a:pPr algn="ctr"/>
+            <a:r>
+              <a:rPr lang="en-US" altLang="ko-KR" dirty="0"/>
+              <a:t>1</a:t>
+            </a:r>
+            <a:endParaRPr lang="ko-KR" altLang="en-US" dirty="0"/>
+          </a:p>
+        </p:txBody>
+      </p:sp>
     </p:spTree>
     <p:extLst>
       <p:ext uri="{BB962C8B-B14F-4D97-AF65-F5344CB8AC3E}">
@@ -7192,6 +7722,270 @@
           </p:txBody>
         </p:sp>
       </p:grpSp>
+      <p:sp>
+        <p:nvSpPr>
+          <p:cNvPr id="42" name="TextBox 41">
+            <a:extLst>
+              <a:ext uri="{FF2B5EF4-FFF2-40B4-BE49-F238E27FC236}">
+                <a16:creationId xmlns:a16="http://schemas.microsoft.com/office/drawing/2014/main" id="{01CB984E-0740-4A23-8F0C-F9197EF4EB4A}"/>
+              </a:ext>
+            </a:extLst>
+          </p:cNvPr>
+          <p:cNvSpPr txBox="1"/>
+          <p:nvPr/>
+        </p:nvSpPr>
+        <p:spPr>
+          <a:xfrm>
+            <a:off x="1376082" y="7185"/>
+            <a:ext cx="546847" cy="369332"/>
+          </a:xfrm>
+          <a:prstGeom prst="rect">
+            <a:avLst/>
+          </a:prstGeom>
+          <a:noFill/>
+        </p:spPr>
+        <p:txBody>
+          <a:bodyPr wrap="square" rtlCol="0">
+            <a:spAutoFit/>
+          </a:bodyPr>
+          <a:lstStyle/>
+          <a:p>
+            <a:pPr algn="ctr"/>
+            <a:r>
+              <a:rPr lang="en-US" altLang="ko-KR" dirty="0"/>
+              <a:t>0</a:t>
+            </a:r>
+            <a:endParaRPr lang="ko-KR" altLang="en-US" dirty="0"/>
+          </a:p>
+        </p:txBody>
+      </p:sp>
+      <p:sp>
+        <p:nvSpPr>
+          <p:cNvPr id="43" name="TextBox 42">
+            <a:extLst>
+              <a:ext uri="{FF2B5EF4-FFF2-40B4-BE49-F238E27FC236}">
+                <a16:creationId xmlns:a16="http://schemas.microsoft.com/office/drawing/2014/main" id="{C58E73E3-8685-486F-AB8C-41485A562F29}"/>
+              </a:ext>
+            </a:extLst>
+          </p:cNvPr>
+          <p:cNvSpPr txBox="1"/>
+          <p:nvPr/>
+        </p:nvSpPr>
+        <p:spPr>
+          <a:xfrm>
+            <a:off x="3975847" y="7185"/>
+            <a:ext cx="546847" cy="369332"/>
+          </a:xfrm>
+          <a:prstGeom prst="rect">
+            <a:avLst/>
+          </a:prstGeom>
+          <a:noFill/>
+        </p:spPr>
+        <p:txBody>
+          <a:bodyPr wrap="square" rtlCol="0">
+            <a:spAutoFit/>
+          </a:bodyPr>
+          <a:lstStyle/>
+          <a:p>
+            <a:pPr algn="ctr"/>
+            <a:r>
+              <a:rPr lang="en-US" altLang="ko-KR" dirty="0"/>
+              <a:t>1</a:t>
+            </a:r>
+            <a:endParaRPr lang="ko-KR" altLang="en-US" dirty="0"/>
+          </a:p>
+        </p:txBody>
+      </p:sp>
+      <p:sp>
+        <p:nvSpPr>
+          <p:cNvPr id="44" name="TextBox 43">
+            <a:extLst>
+              <a:ext uri="{FF2B5EF4-FFF2-40B4-BE49-F238E27FC236}">
+                <a16:creationId xmlns:a16="http://schemas.microsoft.com/office/drawing/2014/main" id="{AFDB6A04-853D-4BD0-9004-04DCA27DBF22}"/>
+              </a:ext>
+            </a:extLst>
+          </p:cNvPr>
+          <p:cNvSpPr txBox="1"/>
+          <p:nvPr/>
+        </p:nvSpPr>
+        <p:spPr>
+          <a:xfrm>
+            <a:off x="6575612" y="7185"/>
+            <a:ext cx="546847" cy="369332"/>
+          </a:xfrm>
+          <a:prstGeom prst="rect">
+            <a:avLst/>
+          </a:prstGeom>
+          <a:noFill/>
+        </p:spPr>
+        <p:txBody>
+          <a:bodyPr wrap="square" rtlCol="0">
+            <a:spAutoFit/>
+          </a:bodyPr>
+          <a:lstStyle/>
+          <a:p>
+            <a:pPr algn="ctr"/>
+            <a:r>
+              <a:rPr lang="en-US" altLang="ko-KR" dirty="0"/>
+              <a:t>2</a:t>
+            </a:r>
+            <a:endParaRPr lang="ko-KR" altLang="en-US" dirty="0"/>
+          </a:p>
+        </p:txBody>
+      </p:sp>
+      <p:sp>
+        <p:nvSpPr>
+          <p:cNvPr id="45" name="TextBox 44">
+            <a:extLst>
+              <a:ext uri="{FF2B5EF4-FFF2-40B4-BE49-F238E27FC236}">
+                <a16:creationId xmlns:a16="http://schemas.microsoft.com/office/drawing/2014/main" id="{A396A210-C89E-4007-80C5-5C5DCB4CA084}"/>
+              </a:ext>
+            </a:extLst>
+          </p:cNvPr>
+          <p:cNvSpPr txBox="1"/>
+          <p:nvPr/>
+        </p:nvSpPr>
+        <p:spPr>
+          <a:xfrm>
+            <a:off x="0" y="810416"/>
+            <a:ext cx="546847" cy="369332"/>
+          </a:xfrm>
+          <a:prstGeom prst="rect">
+            <a:avLst/>
+          </a:prstGeom>
+          <a:noFill/>
+        </p:spPr>
+        <p:txBody>
+          <a:bodyPr wrap="square" rtlCol="0">
+            <a:spAutoFit/>
+          </a:bodyPr>
+          <a:lstStyle/>
+          <a:p>
+            <a:pPr algn="ctr"/>
+            <a:r>
+              <a:rPr lang="en-US" altLang="ko-KR" dirty="0"/>
+              <a:t>0</a:t>
+            </a:r>
+            <a:endParaRPr lang="ko-KR" altLang="en-US" dirty="0"/>
+          </a:p>
+        </p:txBody>
+      </p:sp>
+      <p:sp>
+        <p:nvSpPr>
+          <p:cNvPr id="46" name="TextBox 45">
+            <a:extLst>
+              <a:ext uri="{FF2B5EF4-FFF2-40B4-BE49-F238E27FC236}">
+                <a16:creationId xmlns:a16="http://schemas.microsoft.com/office/drawing/2014/main" id="{01125220-3788-439F-9780-390A7C471FDC}"/>
+              </a:ext>
+            </a:extLst>
+          </p:cNvPr>
+          <p:cNvSpPr txBox="1"/>
+          <p:nvPr/>
+        </p:nvSpPr>
+        <p:spPr>
+          <a:xfrm>
+            <a:off x="0" y="2800581"/>
+            <a:ext cx="546847" cy="369332"/>
+          </a:xfrm>
+          <a:prstGeom prst="rect">
+            <a:avLst/>
+          </a:prstGeom>
+          <a:noFill/>
+        </p:spPr>
+        <p:txBody>
+          <a:bodyPr wrap="square" rtlCol="0">
+            <a:spAutoFit/>
+          </a:bodyPr>
+          <a:lstStyle/>
+          <a:p>
+            <a:pPr algn="ctr"/>
+            <a:r>
+              <a:rPr lang="en-US" altLang="ko-KR" dirty="0"/>
+              <a:t>1</a:t>
+            </a:r>
+            <a:endParaRPr lang="ko-KR" altLang="en-US" dirty="0"/>
+          </a:p>
+        </p:txBody>
+      </p:sp>
+      <p:sp>
+        <p:nvSpPr>
+          <p:cNvPr id="47" name="TextBox 46">
+            <a:extLst>
+              <a:ext uri="{FF2B5EF4-FFF2-40B4-BE49-F238E27FC236}">
+                <a16:creationId xmlns:a16="http://schemas.microsoft.com/office/drawing/2014/main" id="{47341781-A6DB-461C-9D17-5C1BAE3D3951}"/>
+              </a:ext>
+            </a:extLst>
+          </p:cNvPr>
+          <p:cNvSpPr txBox="1"/>
+          <p:nvPr/>
+        </p:nvSpPr>
+        <p:spPr>
+          <a:xfrm>
+            <a:off x="0" y="4790746"/>
+            <a:ext cx="546847" cy="369332"/>
+          </a:xfrm>
+          <a:prstGeom prst="rect">
+            <a:avLst/>
+          </a:prstGeom>
+          <a:noFill/>
+        </p:spPr>
+        <p:txBody>
+          <a:bodyPr wrap="square" rtlCol="0">
+            <a:spAutoFit/>
+          </a:bodyPr>
+          <a:lstStyle/>
+          <a:p>
+            <a:pPr algn="ctr"/>
+            <a:r>
+              <a:rPr lang="en-US" altLang="ko-KR" dirty="0"/>
+              <a:t>2</a:t>
+            </a:r>
+            <a:endParaRPr lang="ko-KR" altLang="en-US" dirty="0"/>
+          </a:p>
+        </p:txBody>
+      </p:sp>
+      <p:sp>
+        <p:nvSpPr>
+          <p:cNvPr id="48" name="TextBox 47">
+            <a:extLst>
+              <a:ext uri="{FF2B5EF4-FFF2-40B4-BE49-F238E27FC236}">
+                <a16:creationId xmlns:a16="http://schemas.microsoft.com/office/drawing/2014/main" id="{22C23863-116E-4034-B71D-3D6358E15892}"/>
+              </a:ext>
+            </a:extLst>
+          </p:cNvPr>
+          <p:cNvSpPr txBox="1"/>
+          <p:nvPr/>
+        </p:nvSpPr>
+        <p:spPr>
+          <a:xfrm>
+            <a:off x="0" y="7185"/>
+            <a:ext cx="546847" cy="369332"/>
+          </a:xfrm>
+          <a:prstGeom prst="rect">
+            <a:avLst/>
+          </a:prstGeom>
+          <a:noFill/>
+          <a:ln w="57150">
+            <a:solidFill>
+              <a:schemeClr val="accent1"/>
+            </a:solidFill>
+          </a:ln>
+        </p:spPr>
+        <p:txBody>
+          <a:bodyPr wrap="square" rtlCol="0">
+            <a:spAutoFit/>
+          </a:bodyPr>
+          <a:lstStyle/>
+          <a:p>
+            <a:pPr algn="ctr"/>
+            <a:r>
+              <a:rPr lang="en-US" altLang="ko-KR" dirty="0"/>
+              <a:t>2</a:t>
+            </a:r>
+            <a:endParaRPr lang="ko-KR" altLang="en-US" dirty="0"/>
+          </a:p>
+        </p:txBody>
+      </p:sp>
     </p:spTree>
     <p:extLst>
       <p:ext uri="{BB962C8B-B14F-4D97-AF65-F5344CB8AC3E}">
@@ -7921,8 +8715,8 @@
         </p:nvSpPr>
         <p:spPr>
           <a:xfrm>
-            <a:off x="5038725" y="476250"/>
-            <a:ext cx="6343650" cy="646331"/>
+            <a:off x="5011831" y="488326"/>
+            <a:ext cx="6343650" cy="3416320"/>
           </a:xfrm>
           <a:prstGeom prst="rect">
             <a:avLst/>
@@ -7945,6 +8739,112 @@
             </a:r>
           </a:p>
           <a:p>
+            <a:pPr marL="342900" indent="-342900">
+              <a:buAutoNum type="arabicPeriod"/>
+            </a:pPr>
+            <a:r>
+              <a:rPr lang="ko-KR" altLang="en-US" dirty="0"/>
+              <a:t>모두 다른 속성</a:t>
+            </a:r>
+            <a:endParaRPr lang="en-US" altLang="ko-KR" dirty="0"/>
+          </a:p>
+          <a:p>
+            <a:pPr lvl="1"/>
+            <a:r>
+              <a:rPr lang="ko-KR" altLang="en-US" dirty="0"/>
+              <a:t>다른 </a:t>
+            </a:r>
+            <a:r>
+              <a:rPr lang="en-US" altLang="ko-KR" dirty="0"/>
+              <a:t>Index 3</a:t>
+            </a:r>
+          </a:p>
+          <a:p>
+            <a:pPr lvl="2"/>
+            <a:r>
+              <a:rPr lang="en-US" altLang="ko-KR" dirty="0"/>
+              <a:t>(ex, 000 + 111 + 222 + R)</a:t>
+            </a:r>
+          </a:p>
+          <a:p>
+            <a:pPr lvl="2"/>
+            <a:endParaRPr lang="en-US" altLang="ko-KR" dirty="0"/>
+          </a:p>
+          <a:p>
+            <a:pPr marL="342900" indent="-342900">
+              <a:buAutoNum type="arabicPeriod"/>
+            </a:pPr>
+            <a:r>
+              <a:rPr lang="ko-KR" altLang="en-US" dirty="0"/>
+              <a:t>한가지의 다른 속성</a:t>
+            </a:r>
+            <a:endParaRPr lang="en-US" altLang="ko-KR" dirty="0"/>
+          </a:p>
+          <a:p>
+            <a:pPr lvl="1"/>
+            <a:r>
+              <a:rPr lang="ko-KR" altLang="en-US" dirty="0"/>
+              <a:t>같은 </a:t>
+            </a:r>
+            <a:r>
+              <a:rPr lang="en-US" altLang="ko-KR" dirty="0"/>
+              <a:t>Index 2 + </a:t>
+            </a:r>
+            <a:r>
+              <a:rPr lang="ko-KR" altLang="en-US" dirty="0"/>
+              <a:t>다른 </a:t>
+            </a:r>
+            <a:r>
+              <a:rPr lang="en-US" altLang="ko-KR" dirty="0"/>
+              <a:t>Index 1</a:t>
+            </a:r>
+          </a:p>
+          <a:p>
+            <a:pPr lvl="1"/>
+            <a:r>
+              <a:rPr lang="en-US" altLang="ko-KR" dirty="0"/>
+              <a:t>	(ex, 000 + 001 + 002 + R)</a:t>
+            </a:r>
+          </a:p>
+          <a:p>
+            <a:pPr lvl="1"/>
+            <a:endParaRPr lang="en-US" altLang="ko-KR" dirty="0"/>
+          </a:p>
+          <a:p>
+            <a:pPr marL="342900" indent="-342900">
+              <a:buAutoNum type="arabicPeriod"/>
+            </a:pPr>
+            <a:r>
+              <a:rPr lang="ko-KR" altLang="en-US" dirty="0"/>
+              <a:t>한가지의 같은 속성</a:t>
+            </a:r>
+            <a:endParaRPr lang="en-US" altLang="ko-KR" dirty="0"/>
+          </a:p>
+          <a:p>
+            <a:pPr lvl="1"/>
+            <a:r>
+              <a:rPr lang="ko-KR" altLang="en-US" dirty="0"/>
+              <a:t>같은 </a:t>
+            </a:r>
+            <a:r>
+              <a:rPr lang="en-US" altLang="ko-KR" dirty="0"/>
+              <a:t>Index 1 + </a:t>
+            </a:r>
+            <a:r>
+              <a:rPr lang="ko-KR" altLang="en-US" dirty="0"/>
+              <a:t>다른 </a:t>
+            </a:r>
+            <a:r>
+              <a:rPr lang="en-US" altLang="ko-KR" dirty="0"/>
+              <a:t>Index 2</a:t>
+            </a:r>
+          </a:p>
+          <a:p>
+            <a:pPr lvl="1"/>
+            <a:r>
+              <a:rPr lang="en-US" altLang="ko-KR" dirty="0"/>
+              <a:t>	(ex, 000 + 011 + 022 + R)</a:t>
+            </a:r>
             <a:endParaRPr lang="ko-KR" altLang="en-US" dirty="0"/>
           </a:p>
         </p:txBody>
@@ -7953,6 +8853,151 @@
     <p:extLst>
       <p:ext uri="{BB962C8B-B14F-4D97-AF65-F5344CB8AC3E}">
         <p14:creationId xmlns:p14="http://schemas.microsoft.com/office/powerpoint/2010/main" val="2786942105"/>
+      </p:ext>
+    </p:extLst>
+  </p:cSld>
+  <p:clrMapOvr>
+    <a:masterClrMapping/>
+  </p:clrMapOvr>
+</p:sld>
+</file>
+
+<file path=ppt/slides/slide6.xml><?xml version="1.0" encoding="utf-8"?>
+<p:sld xmlns:a="http://schemas.openxmlformats.org/drawingml/2006/main" xmlns:r="http://schemas.openxmlformats.org/officeDocument/2006/relationships" xmlns:p="http://schemas.openxmlformats.org/presentationml/2006/main">
+  <p:cSld>
+    <p:spTree>
+      <p:nvGrpSpPr>
+        <p:cNvPr id="1" name=""/>
+        <p:cNvGrpSpPr/>
+        <p:nvPr/>
+      </p:nvGrpSpPr>
+      <p:grpSpPr>
+        <a:xfrm>
+          <a:off x="0" y="0"/>
+          <a:ext cx="0" cy="0"/>
+          <a:chOff x="0" y="0"/>
+          <a:chExt cx="0" cy="0"/>
+        </a:xfrm>
+      </p:grpSpPr>
+      <p:sp>
+        <p:nvSpPr>
+          <p:cNvPr id="151" name="TextBox 150">
+            <a:extLst>
+              <a:ext uri="{FF2B5EF4-FFF2-40B4-BE49-F238E27FC236}">
+                <a16:creationId xmlns:a16="http://schemas.microsoft.com/office/drawing/2014/main" id="{4759C785-D287-46F1-A9D2-DBF2C579BDD6}"/>
+              </a:ext>
+            </a:extLst>
+          </p:cNvPr>
+          <p:cNvSpPr txBox="1"/>
+          <p:nvPr/>
+        </p:nvSpPr>
+        <p:spPr>
+          <a:xfrm>
+            <a:off x="753596" y="335926"/>
+            <a:ext cx="6343650" cy="923330"/>
+          </a:xfrm>
+          <a:prstGeom prst="rect">
+            <a:avLst/>
+          </a:prstGeom>
+          <a:noFill/>
+        </p:spPr>
+        <p:txBody>
+          <a:bodyPr wrap="square" rtlCol="0">
+            <a:spAutoFit/>
+          </a:bodyPr>
+          <a:lstStyle/>
+          <a:p>
+            <a:r>
+              <a:rPr lang="ko-KR" altLang="en-US" dirty="0"/>
+              <a:t>로직</a:t>
+            </a:r>
+            <a:r>
+              <a:rPr lang="en-US" altLang="ko-KR" dirty="0"/>
+              <a:t>: </a:t>
+            </a:r>
+            <a:r>
+              <a:rPr lang="ko-KR" altLang="en-US" dirty="0"/>
+              <a:t>모두 다른 속성</a:t>
+            </a:r>
+            <a:endParaRPr lang="en-US" altLang="ko-KR" dirty="0"/>
+          </a:p>
+          <a:p>
+            <a:endParaRPr lang="en-US" altLang="ko-KR" dirty="0"/>
+          </a:p>
+          <a:p>
+            <a:endParaRPr lang="ko-KR" altLang="en-US" dirty="0"/>
+          </a:p>
+        </p:txBody>
+      </p:sp>
+    </p:spTree>
+    <p:extLst>
+      <p:ext uri="{BB962C8B-B14F-4D97-AF65-F5344CB8AC3E}">
+        <p14:creationId xmlns:p14="http://schemas.microsoft.com/office/powerpoint/2010/main" val="2990041680"/>
+      </p:ext>
+    </p:extLst>
+  </p:cSld>
+  <p:clrMapOvr>
+    <a:masterClrMapping/>
+  </p:clrMapOvr>
+</p:sld>
+</file>
+
+<file path=ppt/slides/slide7.xml><?xml version="1.0" encoding="utf-8"?>
+<p:sld xmlns:a="http://schemas.openxmlformats.org/drawingml/2006/main" xmlns:r="http://schemas.openxmlformats.org/officeDocument/2006/relationships" xmlns:p="http://schemas.openxmlformats.org/presentationml/2006/main">
+  <p:cSld>
+    <p:spTree>
+      <p:nvGrpSpPr>
+        <p:cNvPr id="1" name=""/>
+        <p:cNvGrpSpPr/>
+        <p:nvPr/>
+      </p:nvGrpSpPr>
+      <p:grpSpPr>
+        <a:xfrm>
+          <a:off x="0" y="0"/>
+          <a:ext cx="0" cy="0"/>
+          <a:chOff x="0" y="0"/>
+          <a:chExt cx="0" cy="0"/>
+        </a:xfrm>
+      </p:grpSpPr>
+      <p:sp>
+        <p:nvSpPr>
+          <p:cNvPr id="151" name="TextBox 150">
+            <a:extLst>
+              <a:ext uri="{FF2B5EF4-FFF2-40B4-BE49-F238E27FC236}">
+                <a16:creationId xmlns:a16="http://schemas.microsoft.com/office/drawing/2014/main" id="{4759C785-D287-46F1-A9D2-DBF2C579BDD6}"/>
+              </a:ext>
+            </a:extLst>
+          </p:cNvPr>
+          <p:cNvSpPr txBox="1"/>
+          <p:nvPr/>
+        </p:nvSpPr>
+        <p:spPr>
+          <a:xfrm>
+            <a:off x="753596" y="335926"/>
+            <a:ext cx="6343650" cy="369332"/>
+          </a:xfrm>
+          <a:prstGeom prst="rect">
+            <a:avLst/>
+          </a:prstGeom>
+          <a:noFill/>
+        </p:spPr>
+        <p:txBody>
+          <a:bodyPr wrap="square" rtlCol="0">
+            <a:spAutoFit/>
+          </a:bodyPr>
+          <a:lstStyle/>
+          <a:p>
+            <a:r>
+              <a:rPr lang="ko-KR" altLang="en-US" dirty="0"/>
+              <a:t>모두 다른 속성</a:t>
+            </a:r>
+          </a:p>
+        </p:txBody>
+      </p:sp>
+    </p:spTree>
+    <p:extLst>
+      <p:ext uri="{BB962C8B-B14F-4D97-AF65-F5344CB8AC3E}">
+        <p14:creationId xmlns:p14="http://schemas.microsoft.com/office/powerpoint/2010/main" val="277060580"/>
       </p:ext>
     </p:extLst>
   </p:cSld>
